--- a/files/2022_API_102a_Section_03_answers_excerpt.pptx
+++ b/files/2022_API_102a_Section_03_answers_excerpt.pptx
@@ -2531,7 +2531,7 @@
           <a:p>
             <a:fld id="{A299E826-3081-5D44-BEB6-7BF33BBC74DC}" type="datetimeFigureOut">
               <a:rPr lang="en-US" smtClean="0"/>
-              <a:t>2/19/2023</a:t>
+              <a:t>3/13/2023</a:t>
             </a:fld>
             <a:endParaRPr lang="en-US"/>
           </a:p>
@@ -21009,67 +21009,70 @@
           <a:lstStyle/>
           <a:p>
             <a:r>
-              <a:rPr lang="en-US"/>
+              <a:rPr lang="en-US" dirty="0"/>
               <a:t>Changes in broad inequality are mostly accounted for by </a:t>
             </a:r>
             <a:r>
-              <a:rPr lang="en-US" b="1" u="sng"/>
+              <a:rPr lang="en-US" b="1" u="sng" dirty="0"/>
               <a:t>rising returns to education</a:t>
             </a:r>
             <a:r>
-              <a:rPr lang="en-US"/>
+              <a:rPr lang="en-US" dirty="0"/>
               <a:t>. </a:t>
             </a:r>
           </a:p>
           <a:p>
             <a:pPr lvl="1"/>
             <a:r>
-              <a:rPr lang="en-US" i="1"/>
+              <a:rPr lang="en-US" i="1" dirty="0"/>
               <a:t>Review: What do we mean by the “returns to education”?</a:t>
             </a:r>
           </a:p>
           <a:p>
-            <a:r>
-              <a:rPr lang="en-US"/>
+            <a:endParaRPr lang="en-US" dirty="0"/>
+          </a:p>
+          <a:p>
+            <a:r>
+              <a:rPr lang="en-US" dirty="0"/>
               <a:t>But why have returns to education increased?</a:t>
             </a:r>
           </a:p>
           <a:p>
             <a:pPr lvl="1"/>
             <a:r>
-              <a:rPr lang="en-US"/>
+              <a:rPr lang="en-US" dirty="0"/>
               <a:t>Key economic model and evidence presented by Claudia Goldin and Larry Katz in </a:t>
             </a:r>
             <a:r>
-              <a:rPr lang="en-US" i="1"/>
+              <a:rPr lang="en-US" i="1" dirty="0"/>
               <a:t>The Race Between Education and Technology </a:t>
             </a:r>
             <a:r>
-              <a:rPr lang="en-US"/>
+              <a:rPr lang="en-US" dirty="0"/>
               <a:t>(2008)</a:t>
             </a:r>
           </a:p>
           <a:p>
             <a:pPr lvl="1"/>
             <a:r>
-              <a:rPr lang="en-US"/>
+              <a:rPr lang="en-US" dirty="0"/>
               <a:t>Known as the </a:t>
             </a:r>
             <a:r>
-              <a:rPr lang="en-US" b="1"/>
+              <a:rPr lang="en-US" b="1" dirty="0"/>
               <a:t>“Education-Technology Race” model</a:t>
             </a:r>
           </a:p>
           <a:p>
             <a:pPr lvl="2"/>
             <a:r>
-              <a:rPr lang="en-US"/>
+              <a:rPr lang="en-US" dirty="0"/>
               <a:t>Or Supply-Demand(-Institutions) framework</a:t>
             </a:r>
           </a:p>
           <a:p>
             <a:pPr lvl="1"/>
-            <a:endParaRPr lang="en-US"/>
+            <a:endParaRPr lang="en-US" dirty="0"/>
           </a:p>
         </p:txBody>
       </p:sp>
@@ -21395,36 +21398,45 @@
         <p:spPr/>
         <p:txBody>
           <a:bodyPr>
-            <a:normAutofit/>
+            <a:normAutofit lnSpcReduction="10000"/>
           </a:bodyPr>
           <a:lstStyle/>
           <a:p>
             <a:r>
-              <a:rPr lang="en-US"/>
+              <a:rPr lang="en-US" dirty="0"/>
               <a:t>“High-skill” typically refers to college grads (vs. lower skilled HS grads), but the term could also be applied to other, often finer dimensions of skill.</a:t>
             </a:r>
           </a:p>
           <a:p>
-            <a:r>
-              <a:rPr lang="en-US"/>
+            <a:endParaRPr lang="en-US" dirty="0"/>
+          </a:p>
+          <a:p>
+            <a:r>
+              <a:rPr lang="en-US" dirty="0"/>
               <a:t>Skill and education are roughly interchangeable in these discussions</a:t>
             </a:r>
           </a:p>
           <a:p>
-            <a:r>
-              <a:rPr lang="en-US"/>
+            <a:endParaRPr lang="en-US" dirty="0"/>
+          </a:p>
+          <a:p>
+            <a:r>
+              <a:rPr lang="en-US" dirty="0"/>
               <a:t>The use of the word “skill” has been discussed / criticized recently in economics and related circles. </a:t>
             </a:r>
           </a:p>
           <a:p>
-            <a:r>
-              <a:rPr lang="en-US"/>
+            <a:endParaRPr lang="en-US" dirty="0"/>
+          </a:p>
+          <a:p>
+            <a:r>
+              <a:rPr lang="en-US" dirty="0"/>
               <a:t>I will use these terms freely, as they are in the literature</a:t>
             </a:r>
           </a:p>
           <a:p>
             <a:pPr lvl="1"/>
-            <a:endParaRPr lang="en-US"/>
+            <a:endParaRPr lang="en-US" dirty="0"/>
           </a:p>
         </p:txBody>
       </p:sp>
@@ -21510,78 +21522,89 @@
           <a:lstStyle/>
           <a:p>
             <a:r>
-              <a:rPr lang="en-US"/>
+              <a:rPr lang="en-US" dirty="0"/>
               <a:t>Demand for high-skilled has increased steadily over time</a:t>
             </a:r>
           </a:p>
           <a:p>
             <a:pPr lvl="1"/>
             <a:r>
-              <a:rPr lang="en-US"/>
+              <a:rPr lang="en-US" dirty="0"/>
               <a:t>Key story: “Skill-biased technical change”</a:t>
             </a:r>
           </a:p>
           <a:p>
             <a:pPr lvl="1"/>
             <a:r>
-              <a:rPr lang="en-US"/>
+              <a:rPr lang="en-US" dirty="0"/>
               <a:t>Computers and automation have made </a:t>
             </a:r>
             <a:r>
-              <a:rPr lang="en-US" b="1"/>
+              <a:rPr lang="en-US" b="1" dirty="0"/>
               <a:t>high-skilled workers more productive</a:t>
             </a:r>
             <a:r>
-              <a:rPr lang="en-US"/>
+              <a:rPr lang="en-US" dirty="0"/>
               <a:t>, but have </a:t>
             </a:r>
             <a:r>
-              <a:rPr lang="en-US" b="1"/>
+              <a:rPr lang="en-US" b="1" dirty="0"/>
               <a:t>replaced middle-skilled jobs </a:t>
             </a:r>
             <a:r>
-              <a:rPr lang="en-US"/>
+              <a:rPr lang="en-US" dirty="0"/>
               <a:t>(e.g., clerical work, manufacturing)</a:t>
             </a:r>
           </a:p>
           <a:p>
             <a:pPr lvl="1"/>
-            <a:endParaRPr lang="en-US"/>
-          </a:p>
-          <a:p>
-            <a:r>
-              <a:rPr lang="en-US"/>
+            <a:endParaRPr lang="en-US" dirty="0"/>
+          </a:p>
+          <a:p>
+            <a:r>
+              <a:rPr lang="en-US" dirty="0"/>
               <a:t>Supply growth of high-skilled has fluctuated over time</a:t>
             </a:r>
           </a:p>
           <a:p>
             <a:pPr lvl="1"/>
             <a:r>
-              <a:rPr lang="en-US"/>
+              <a:rPr lang="en-US" dirty="0"/>
               <a:t>1900s-1970s: Growth of number of college grads</a:t>
             </a:r>
           </a:p>
           <a:p>
             <a:pPr lvl="1"/>
             <a:r>
-              <a:rPr lang="en-US"/>
+              <a:rPr lang="en-US" dirty="0"/>
               <a:t>Early 1970s-onwards: Slowdown in growth of college grads</a:t>
             </a:r>
           </a:p>
           <a:p>
             <a:pPr lvl="1"/>
-            <a:endParaRPr lang="en-US"/>
-          </a:p>
-          <a:p>
-            <a:r>
-              <a:rPr lang="en-US"/>
-              <a:t>Punchline: steady increase in demand for college workers + slowdown in the growth of college grads =&gt; rising wage inequality </a:t>
+            <a:endParaRPr lang="en-US" dirty="0"/>
+          </a:p>
+          <a:p>
+            <a:r>
+              <a:rPr lang="en-US" dirty="0"/>
+              <a:t>Punchline: steady increase in demand for college workers + slowdown in the growth of college grads </a:t>
+            </a:r>
+            <a:r>
+              <a:rPr lang="en-US" dirty="0">
+                <a:latin typeface="Trirong" panose="00000500000000000000" pitchFamily="2" charset="-34"/>
+                <a:cs typeface="Trirong" panose="00000500000000000000" pitchFamily="2" charset="-34"/>
+              </a:rPr>
+              <a:t>→</a:t>
+            </a:r>
+            <a:r>
+              <a:rPr lang="en-US" dirty="0"/>
+              <a:t> rising wage inequality </a:t>
             </a:r>
           </a:p>
           <a:p>
             <a:pPr lvl="1"/>
             <a:r>
-              <a:rPr lang="en-US"/>
+              <a:rPr lang="en-US" dirty="0"/>
               <a:t>in particular, the college/non-college wage gap</a:t>
             </a:r>
           </a:p>
@@ -22002,25 +22025,34 @@
           <a:lstStyle/>
           <a:p>
             <a:r>
-              <a:rPr lang="en-US"/>
+              <a:rPr lang="en-US" dirty="0"/>
               <a:t>Industrial robots</a:t>
             </a:r>
           </a:p>
           <a:p>
-            <a:r>
-              <a:rPr lang="en-US"/>
+            <a:endParaRPr lang="en-US" dirty="0"/>
+          </a:p>
+          <a:p>
+            <a:r>
+              <a:rPr lang="en-US" dirty="0"/>
               <a:t>Broadband internet</a:t>
             </a:r>
           </a:p>
           <a:p>
-            <a:r>
-              <a:rPr lang="en-US"/>
+            <a:endParaRPr lang="en-US" dirty="0"/>
+          </a:p>
+          <a:p>
+            <a:r>
+              <a:rPr lang="en-US" dirty="0"/>
               <a:t>Computers, information technology</a:t>
             </a:r>
           </a:p>
           <a:p>
-            <a:r>
-              <a:rPr lang="en-US"/>
+            <a:endParaRPr lang="en-US" dirty="0"/>
+          </a:p>
+          <a:p>
+            <a:r>
+              <a:rPr lang="en-US" dirty="0"/>
               <a:t>“automation”</a:t>
             </a:r>
           </a:p>
@@ -23900,48 +23932,81 @@
         </p:nvSpPr>
         <p:spPr/>
         <p:txBody>
-          <a:bodyPr/>
+          <a:bodyPr>
+            <a:normAutofit fontScale="92500" lnSpcReduction="20000"/>
+          </a:bodyPr>
           <a:lstStyle/>
           <a:p>
             <a:r>
-              <a:rPr lang="en-US"/>
+              <a:rPr lang="en-US" dirty="0"/>
               <a:t>Compulsory schooling laws increase earnings for affected cohorts</a:t>
             </a:r>
           </a:p>
           <a:p>
-            <a:r>
-              <a:rPr lang="en-US"/>
-              <a:t>Students who just cross FIU GPA admissions threshold see earnings increase – 8.7 percent (Zimmerman 2014)</a:t>
-            </a:r>
-          </a:p>
-          <a:p>
-            <a:r>
-              <a:rPr lang="en-US"/>
-              <a:t>Individuals who win lottery to attend nursing schools see increased earnings – 44 percent (Grosz 2020)</a:t>
-            </a:r>
-          </a:p>
-          <a:p>
-            <a:r>
-              <a:rPr lang="en-US"/>
+            <a:endParaRPr lang="en-US" dirty="0"/>
+          </a:p>
+          <a:p>
+            <a:r>
+              <a:rPr lang="en-US" dirty="0"/>
+              <a:t>Students who just cross FIU GPA admissions threshold see earnings increase – 8.7 percent </a:t>
+            </a:r>
+            <a:r>
+              <a:rPr lang="en-US" sz="2200" dirty="0">
+                <a:solidFill>
+                  <a:schemeClr val="tx1">
+                    <a:lumMod val="50000"/>
+                    <a:lumOff val="50000"/>
+                  </a:schemeClr>
+                </a:solidFill>
+              </a:rPr>
+              <a:t>(Zimmerman 2014)</a:t>
+            </a:r>
+          </a:p>
+          <a:p>
+            <a:endParaRPr lang="en-US" dirty="0"/>
+          </a:p>
+          <a:p>
+            <a:r>
+              <a:rPr lang="en-US" dirty="0"/>
+              <a:t>Individuals who win lottery to attend nursing schools see increased earnings – 44 percent </a:t>
+            </a:r>
+            <a:r>
+              <a:rPr lang="en-US" sz="2200" dirty="0">
+                <a:solidFill>
+                  <a:schemeClr val="tx1">
+                    <a:lumMod val="50000"/>
+                    <a:lumOff val="50000"/>
+                  </a:schemeClr>
+                </a:solidFill>
+              </a:rPr>
+              <a:t>(Grosz 2020)</a:t>
+            </a:r>
+          </a:p>
+          <a:p>
+            <a:endParaRPr lang="en-US" dirty="0"/>
+          </a:p>
+          <a:p>
+            <a:r>
+              <a:rPr lang="en-US" dirty="0"/>
               <a:t>Qualification: education needs to be good quality</a:t>
             </a:r>
           </a:p>
           <a:p>
             <a:pPr lvl="1"/>
             <a:r>
-              <a:rPr lang="en-US"/>
+              <a:rPr lang="en-US" dirty="0"/>
               <a:t>4-year colleges vs. 2-year colleges’ graduation rates</a:t>
             </a:r>
           </a:p>
           <a:p>
             <a:pPr lvl="1"/>
             <a:r>
-              <a:rPr lang="en-US"/>
+              <a:rPr lang="en-US" dirty="0"/>
               <a:t>For-profit vs. public/private non-profit</a:t>
             </a:r>
           </a:p>
           <a:p>
-            <a:endParaRPr lang="en-US"/>
+            <a:endParaRPr lang="en-US" dirty="0"/>
           </a:p>
         </p:txBody>
       </p:sp>
@@ -24032,53 +24097,71 @@
           <a:lstStyle/>
           <a:p>
             <a:r>
-              <a:rPr lang="en-US" sz="3200"/>
+              <a:rPr lang="en-US" sz="3200" dirty="0"/>
               <a:t>3 possible education levels: HS dropout, HS grad, college</a:t>
             </a:r>
           </a:p>
           <a:p>
             <a:pPr lvl="1"/>
             <a:r>
-              <a:rPr lang="en-US" sz="2800"/>
+              <a:rPr lang="en-US" sz="2800" dirty="0"/>
               <a:t>Each with corresponding wage</a:t>
             </a:r>
           </a:p>
           <a:p>
             <a:r>
-              <a:rPr lang="en-US" sz="3200"/>
+              <a:rPr lang="en-US" sz="3200" dirty="0"/>
               <a:t>Individuals’ personal cost of schooling increases with “ability”</a:t>
             </a:r>
           </a:p>
           <a:p>
             <a:pPr lvl="1"/>
             <a:r>
-              <a:rPr lang="en-US" sz="2800"/>
-              <a:t>Higher ability =&gt; easier to attend more school</a:t>
-            </a:r>
-          </a:p>
-          <a:p>
-            <a:r>
-              <a:rPr lang="en-US" sz="3200"/>
+              <a:rPr lang="en-US" sz="2800" dirty="0"/>
+              <a:t>Higher ability </a:t>
+            </a:r>
+            <a:r>
+              <a:rPr lang="en-US" sz="2800" dirty="0">
+                <a:latin typeface="Trirong" panose="00000500000000000000" pitchFamily="2" charset="-34"/>
+                <a:cs typeface="Trirong" panose="00000500000000000000" pitchFamily="2" charset="-34"/>
+              </a:rPr>
+              <a:t>→</a:t>
+            </a:r>
+            <a:r>
+              <a:rPr lang="en-US" sz="2800" dirty="0"/>
+              <a:t> easier to attend more school</a:t>
+            </a:r>
+          </a:p>
+          <a:p>
+            <a:r>
+              <a:rPr lang="en-US" sz="3200" dirty="0"/>
               <a:t>Employers don’t observe individual ability</a:t>
             </a:r>
           </a:p>
           <a:p>
             <a:pPr lvl="1"/>
             <a:r>
-              <a:rPr lang="en-US" sz="2800"/>
+              <a:rPr lang="en-US" sz="2800" dirty="0"/>
               <a:t>Only observe schooling level</a:t>
             </a:r>
           </a:p>
           <a:p>
             <a:pPr lvl="1"/>
             <a:r>
-              <a:rPr lang="en-US" sz="2800"/>
-              <a:t>=&gt; one wage for each schooling level, which reflects the avg ability of the group (“pooling”)</a:t>
-            </a:r>
-          </a:p>
-          <a:p>
-            <a:r>
-              <a:rPr lang="en-US" sz="3200"/>
+              <a:rPr lang="en-US" sz="2800" dirty="0">
+                <a:latin typeface="Trirong" panose="00000500000000000000" pitchFamily="2" charset="-34"/>
+                <a:cs typeface="Trirong" panose="00000500000000000000" pitchFamily="2" charset="-34"/>
+              </a:rPr>
+              <a:t>→</a:t>
+            </a:r>
+            <a:r>
+              <a:rPr lang="en-US" sz="2800" dirty="0"/>
+              <a:t> one wage for each schooling level, which reflects the avg ability of the group (“pooling”)</a:t>
+            </a:r>
+          </a:p>
+          <a:p>
+            <a:r>
+              <a:rPr lang="en-US" sz="3200" dirty="0"/>
               <a:t>Imagine sudden increase in college access</a:t>
             </a:r>
           </a:p>
@@ -24171,98 +24254,156 @@
           <a:lstStyle/>
           <a:p>
             <a:r>
-              <a:rPr lang="en-US"/>
+              <a:rPr lang="en-US" dirty="0"/>
               <a:t>Imagine sudden increase in college access</a:t>
             </a:r>
           </a:p>
           <a:p>
             <a:r>
-              <a:rPr lang="en-US"/>
-              <a:t>=&gt; </a:t>
-            </a:r>
-            <a:r>
-              <a:rPr lang="en-US" b="1"/>
+              <a:rPr lang="en-US" sz="2800" dirty="0">
+                <a:latin typeface="Trirong" panose="00000500000000000000" pitchFamily="2" charset="-34"/>
+                <a:cs typeface="Trirong" panose="00000500000000000000" pitchFamily="2" charset="-34"/>
+              </a:rPr>
+              <a:t>→</a:t>
+            </a:r>
+            <a:r>
+              <a:rPr lang="en-US" dirty="0"/>
+              <a:t> </a:t>
+            </a:r>
+            <a:r>
+              <a:rPr lang="en-US" b="1" dirty="0"/>
               <a:t>highest ability individuals </a:t>
             </a:r>
             <a:r>
-              <a:rPr lang="en-US"/>
+              <a:rPr lang="en-US" dirty="0"/>
               <a:t>who would have been HS grads now </a:t>
             </a:r>
             <a:r>
-              <a:rPr lang="en-US" b="1"/>
+              <a:rPr lang="en-US" b="1" dirty="0"/>
               <a:t>go to college </a:t>
             </a:r>
           </a:p>
           <a:p>
             <a:r>
-              <a:rPr lang="en-US"/>
-              <a:t>=&gt; employers know average ability among HS grads has fallen, so </a:t>
-            </a:r>
-            <a:r>
-              <a:rPr lang="en-US" b="1"/>
+              <a:rPr lang="en-US" sz="2800" dirty="0">
+                <a:latin typeface="Trirong" panose="00000500000000000000" pitchFamily="2" charset="-34"/>
+                <a:cs typeface="Trirong" panose="00000500000000000000" pitchFamily="2" charset="-34"/>
+              </a:rPr>
+              <a:t>→</a:t>
+            </a:r>
+            <a:r>
+              <a:rPr lang="en-US" dirty="0"/>
+              <a:t> employers know average ability among HS grads has fallen, so </a:t>
+            </a:r>
+            <a:r>
+              <a:rPr lang="en-US" b="1" dirty="0"/>
               <a:t>wages for HS grads fall</a:t>
             </a:r>
           </a:p>
           <a:p>
             <a:r>
-              <a:rPr lang="en-US"/>
-              <a:t>=&gt; among those who </a:t>
-            </a:r>
-            <a:r>
-              <a:rPr lang="en-US" i="1"/>
+              <a:rPr lang="en-US" sz="2800" dirty="0">
+                <a:latin typeface="Trirong" panose="00000500000000000000" pitchFamily="2" charset="-34"/>
+                <a:cs typeface="Trirong" panose="00000500000000000000" pitchFamily="2" charset="-34"/>
+              </a:rPr>
+              <a:t>→</a:t>
+            </a:r>
+            <a:r>
+              <a:rPr lang="en-US" dirty="0"/>
+              <a:t> among those who </a:t>
+            </a:r>
+            <a:r>
+              <a:rPr lang="en-US" i="1" dirty="0"/>
               <a:t>would have </a:t>
             </a:r>
             <a:r>
-              <a:rPr lang="en-US"/>
+              <a:rPr lang="en-US" dirty="0"/>
               <a:t>been HS grads, </a:t>
             </a:r>
             <a:r>
-              <a:rPr lang="en-US" b="1"/>
+              <a:rPr lang="en-US" b="1" dirty="0"/>
               <a:t>lowest ability individuals</a:t>
             </a:r>
             <a:r>
-              <a:rPr lang="en-US"/>
+              <a:rPr lang="en-US" dirty="0"/>
               <a:t> </a:t>
             </a:r>
             <a:r>
-              <a:rPr lang="en-US" b="1"/>
+              <a:rPr lang="en-US" b="1" dirty="0"/>
               <a:t>now</a:t>
             </a:r>
             <a:r>
-              <a:rPr lang="en-US"/>
+              <a:rPr lang="en-US" dirty="0"/>
               <a:t> </a:t>
             </a:r>
             <a:r>
-              <a:rPr lang="en-US" b="1"/>
+              <a:rPr lang="en-US" b="1" dirty="0"/>
               <a:t>drop out of HS</a:t>
             </a:r>
           </a:p>
           <a:p>
             <a:pPr lvl="1"/>
             <a:r>
-              <a:rPr lang="en-US"/>
+              <a:rPr lang="en-US" dirty="0"/>
               <a:t>because finishing HS has a lower reward, or wage</a:t>
             </a:r>
           </a:p>
           <a:p>
             <a:r>
-              <a:rPr lang="en-US"/>
-              <a:t>=&gt; </a:t>
-            </a:r>
-            <a:r>
-              <a:rPr lang="en-US" u="sng"/>
+              <a:rPr lang="en-US" sz="2800" dirty="0">
+                <a:latin typeface="Trirong" panose="00000500000000000000" pitchFamily="2" charset="-34"/>
+                <a:cs typeface="Trirong" panose="00000500000000000000" pitchFamily="2" charset="-34"/>
+              </a:rPr>
+              <a:t>→</a:t>
+            </a:r>
+            <a:r>
+              <a:rPr lang="en-US" dirty="0"/>
+              <a:t> </a:t>
+            </a:r>
+            <a:r>
+              <a:rPr lang="en-US" u="sng" dirty="0"/>
               <a:t>key prediction</a:t>
             </a:r>
             <a:r>
-              <a:rPr lang="en-US"/>
-              <a:t>: increase in college access =&gt; increase in HS dropout rates</a:t>
-            </a:r>
-          </a:p>
-          <a:p>
-            <a:r>
-              <a:rPr lang="en-US"/>
-              <a:t>Some, but weak evidence of this (Bedard 2001)</a:t>
-            </a:r>
+              <a:rPr lang="en-US" dirty="0"/>
+              <a:t>: increase in college access </a:t>
+            </a:r>
+            <a:r>
+              <a:rPr lang="en-US" sz="2800" dirty="0">
+                <a:latin typeface="Trirong" panose="00000500000000000000" pitchFamily="2" charset="-34"/>
+                <a:cs typeface="Trirong" panose="00000500000000000000" pitchFamily="2" charset="-34"/>
+              </a:rPr>
+              <a:t>→</a:t>
+            </a:r>
+            <a:r>
+              <a:rPr lang="en-US" dirty="0"/>
+              <a:t> increase in HS dropout rates</a:t>
+            </a:r>
+          </a:p>
+          <a:p>
+            <a:r>
+              <a:rPr lang="en-US" dirty="0"/>
+              <a:t>Some, but weak evidence of this </a:t>
+            </a:r>
+            <a:r>
+              <a:rPr lang="en-US" sz="2000" dirty="0">
+                <a:solidFill>
+                  <a:schemeClr val="tx1">
+                    <a:lumMod val="50000"/>
+                    <a:lumOff val="50000"/>
+                  </a:schemeClr>
+                </a:solidFill>
+              </a:rPr>
+              <a:t>(Bedard 2001)</a:t>
+            </a:r>
+            <a:endParaRPr lang="en-US" dirty="0">
+              <a:solidFill>
+                <a:schemeClr val="tx1">
+                  <a:lumMod val="50000"/>
+                  <a:lumOff val="50000"/>
+                </a:schemeClr>
+              </a:solidFill>
+            </a:endParaRPr>
           </a:p>
         </p:txBody>
       </p:sp>
@@ -25421,35 +25562,46 @@
           <a:lstStyle/>
           <a:p>
             <a:r>
-              <a:rPr lang="en-US"/>
+              <a:rPr lang="en-US" dirty="0"/>
               <a:t>Katz-Goldin: supply and demand of skilled workers explains much of the variation in wage gaps between education groups over time</a:t>
             </a:r>
           </a:p>
           <a:p>
             <a:pPr lvl="1"/>
-            <a:r>
-              <a:rPr lang="en-US"/>
+            <a:endParaRPr lang="en-US" dirty="0"/>
+          </a:p>
+          <a:p>
+            <a:pPr lvl="1"/>
+            <a:r>
+              <a:rPr lang="en-US" dirty="0"/>
               <a:t>Any gaps or “anomalies” can be explained by outsized influence of institutions</a:t>
             </a:r>
           </a:p>
           <a:p>
-            <a:r>
-              <a:rPr lang="en-US"/>
+            <a:endParaRPr lang="en-US" dirty="0"/>
+          </a:p>
+          <a:p>
+            <a:r>
+              <a:rPr lang="en-US" dirty="0"/>
               <a:t>There is some disagreement among economists about </a:t>
             </a:r>
             <a:r>
-              <a:rPr lang="en-US" i="1"/>
+              <a:rPr lang="en-US" i="1" dirty="0"/>
               <a:t>how much </a:t>
             </a:r>
             <a:r>
-              <a:rPr lang="en-US"/>
+              <a:rPr lang="en-US" dirty="0"/>
               <a:t>institutions matter for wage inequality</a:t>
             </a:r>
           </a:p>
           <a:p>
             <a:pPr lvl="1"/>
-            <a:r>
-              <a:rPr lang="en-US"/>
+            <a:endParaRPr lang="en-US" dirty="0"/>
+          </a:p>
+          <a:p>
+            <a:pPr lvl="1"/>
+            <a:r>
+              <a:rPr lang="en-US" dirty="0"/>
               <a:t>Key concern: are the timing of institutional changes truly random/exogenous?</a:t>
             </a:r>
           </a:p>
@@ -25537,85 +25689,85 @@
           <a:lstStyle/>
           <a:p>
             <a:r>
-              <a:rPr lang="en-US" b="1"/>
+              <a:rPr lang="en-US" b="1" dirty="0"/>
               <a:t>Unions</a:t>
             </a:r>
           </a:p>
           <a:p>
             <a:r>
-              <a:rPr lang="en-US" b="1"/>
+              <a:rPr lang="en-US" b="1" dirty="0"/>
               <a:t>Minimum wage</a:t>
             </a:r>
           </a:p>
           <a:p>
             <a:r>
-              <a:rPr lang="en-US"/>
+              <a:rPr lang="en-US" dirty="0"/>
               <a:t>Works councils (Europe)</a:t>
             </a:r>
           </a:p>
           <a:p>
             <a:r>
-              <a:rPr lang="en-US"/>
+              <a:rPr lang="en-US" dirty="0"/>
               <a:t>Shift to “performance” pay</a:t>
             </a:r>
           </a:p>
           <a:p>
             <a:pPr lvl="1"/>
             <a:r>
-              <a:rPr lang="en-US"/>
+              <a:rPr lang="en-US" dirty="0"/>
               <a:t>commission</a:t>
             </a:r>
           </a:p>
           <a:p>
             <a:r>
-              <a:rPr lang="en-US"/>
+              <a:rPr lang="en-US" dirty="0"/>
               <a:t>Fissuring of the workplace, i.e. contracting, outsourcing</a:t>
             </a:r>
           </a:p>
           <a:p>
             <a:pPr lvl="1"/>
             <a:r>
-              <a:rPr lang="en-US"/>
+              <a:rPr lang="en-US" dirty="0"/>
               <a:t>e.g. food service workers at Harvard no longer work for Harvard directly</a:t>
             </a:r>
           </a:p>
           <a:p>
             <a:r>
-              <a:rPr lang="en-US"/>
+              <a:rPr lang="en-US" dirty="0"/>
               <a:t>Monopsony? </a:t>
             </a:r>
           </a:p>
           <a:p>
             <a:pPr lvl="1"/>
             <a:r>
-              <a:rPr lang="en-US"/>
+              <a:rPr lang="en-US" dirty="0"/>
               <a:t>i.e. rising monopoly power in labor market</a:t>
             </a:r>
           </a:p>
           <a:p>
             <a:r>
-              <a:rPr lang="en-US"/>
+              <a:rPr lang="en-US" dirty="0"/>
               <a:t>Changes in pay setting norms, decline in worker power (Stansbury &amp; Summers)</a:t>
             </a:r>
           </a:p>
           <a:p>
             <a:r>
-              <a:rPr lang="en-US"/>
+              <a:rPr lang="en-US" dirty="0"/>
               <a:t>Trade policy (China shock), globalization, immigration</a:t>
             </a:r>
           </a:p>
           <a:p>
             <a:r>
-              <a:rPr lang="en-US"/>
+              <a:rPr lang="en-US" dirty="0"/>
               <a:t>Child care..?</a:t>
             </a:r>
           </a:p>
           <a:p>
             <a:pPr lvl="1"/>
-            <a:endParaRPr lang="en-US"/>
-          </a:p>
-          <a:p>
-            <a:endParaRPr lang="en-US"/>
+            <a:endParaRPr lang="en-US" dirty="0"/>
+          </a:p>
+          <a:p>
+            <a:endParaRPr lang="en-US" dirty="0"/>
           </a:p>
         </p:txBody>
       </p:sp>
@@ -25648,7 +25800,14 @@
           <a:lstStyle/>
           <a:p>
             <a:r>
-              <a:rPr lang="en-US"/>
+              <a:rPr lang="en-US" dirty="0">
+                <a:solidFill>
+                  <a:schemeClr val="tx1">
+                    <a:lumMod val="50000"/>
+                    <a:lumOff val="50000"/>
+                  </a:schemeClr>
+                </a:solidFill>
+              </a:rPr>
               <a:t>Based on slide from Larry Katz</a:t>
             </a:r>
           </a:p>
@@ -25731,7 +25890,7 @@
         <p:spPr/>
         <p:txBody>
           <a:bodyPr>
-            <a:normAutofit/>
+            <a:normAutofit lnSpcReduction="10000"/>
           </a:bodyPr>
           <a:lstStyle/>
           <a:p>
@@ -25739,7 +25898,7 @@
               <a:buNone/>
             </a:pPr>
             <a:r>
-              <a:rPr lang="en-US" sz="4000"/>
+              <a:rPr lang="en-US" sz="4000" dirty="0"/>
               <a:t>Wage structure changes likely are a result of all three:</a:t>
             </a:r>
           </a:p>
@@ -25749,17 +25908,14 @@
               <a:buAutoNum type="arabicPeriod"/>
             </a:pPr>
             <a:r>
-              <a:rPr lang="en-US" sz="3600"/>
+              <a:rPr lang="en-US" sz="3600" dirty="0"/>
               <a:t>Supply and Demand Shocks </a:t>
             </a:r>
           </a:p>
           <a:p>
-            <a:pPr marL="1371600" lvl="2" indent="-457200">
-              <a:buFont typeface="+mj-lt"/>
-              <a:buAutoNum type="arabicPeriod"/>
-            </a:pPr>
-            <a:r>
-              <a:rPr lang="en-US" sz="2400"/>
+            <a:pPr lvl="2"/>
+            <a:r>
+              <a:rPr lang="en-US" sz="2400" dirty="0"/>
               <a:t>what the problem set focuses on</a:t>
             </a:r>
           </a:p>
@@ -25768,10 +25924,7 @@
               <a:buFont typeface="+mj-lt"/>
               <a:buAutoNum type="arabicPeriod"/>
             </a:pPr>
-            <a:r>
-              <a:rPr lang="en-US" sz="3600"/>
-              <a:t>Interactions of Market Forces and Institutions </a:t>
-            </a:r>
+            <a:endParaRPr lang="en-US" sz="3600" dirty="0"/>
           </a:p>
           <a:p>
             <a:pPr marL="914400" lvl="1" indent="-457200">
@@ -25779,7 +25932,24 @@
               <a:buAutoNum type="arabicPeriod"/>
             </a:pPr>
             <a:r>
-              <a:rPr lang="en-US" sz="3600"/>
+              <a:rPr lang="en-US" sz="3600" dirty="0"/>
+              <a:t>Interactions of Market Forces and Institutions </a:t>
+            </a:r>
+          </a:p>
+          <a:p>
+            <a:pPr marL="914400" lvl="1" indent="-457200">
+              <a:buFont typeface="+mj-lt"/>
+              <a:buAutoNum type="arabicPeriod"/>
+            </a:pPr>
+            <a:endParaRPr lang="en-US" sz="3600" dirty="0"/>
+          </a:p>
+          <a:p>
+            <a:pPr marL="914400" lvl="1" indent="-457200">
+              <a:buFont typeface="+mj-lt"/>
+              <a:buAutoNum type="arabicPeriod"/>
+            </a:pPr>
+            <a:r>
+              <a:rPr lang="en-US" sz="3600" dirty="0"/>
               <a:t>Institutional Changes</a:t>
             </a:r>
           </a:p>
@@ -25880,79 +26050,86 @@
           <a:lstStyle/>
           <a:p>
             <a:r>
-              <a:rPr lang="en-US" u="sng"/>
+              <a:rPr lang="en-US" u="sng" dirty="0"/>
               <a:t>Institutionally</a:t>
             </a:r>
             <a:r>
-              <a:rPr lang="en-US"/>
+              <a:rPr lang="en-US" dirty="0"/>
               <a:t>, through rules governing labor markets: </a:t>
             </a:r>
           </a:p>
           <a:p>
             <a:pPr lvl="1"/>
             <a:r>
-              <a:rPr lang="en-US"/>
+              <a:rPr lang="en-US" dirty="0"/>
               <a:t>Union membership wage premium (selection problem?)</a:t>
             </a:r>
           </a:p>
           <a:p>
             <a:pPr lvl="1"/>
             <a:r>
-              <a:rPr lang="en-US"/>
+              <a:rPr lang="en-US" dirty="0"/>
               <a:t>Non-members can still enjoy increased wages if covered by a union contract </a:t>
             </a:r>
           </a:p>
           <a:p>
             <a:r>
-              <a:rPr lang="en-US" u="sng"/>
+              <a:rPr lang="en-US" u="sng" dirty="0"/>
               <a:t>Culturally</a:t>
             </a:r>
             <a:r>
-              <a:rPr lang="en-US"/>
-              <a:t>: </a:t>
+              <a:rPr lang="en-US" dirty="0"/>
+              <a:t> </a:t>
             </a:r>
           </a:p>
           <a:p>
             <a:pPr lvl="1"/>
             <a:r>
-              <a:rPr lang="en-US"/>
+              <a:rPr lang="en-US" dirty="0"/>
               <a:t>Union threat effect: firms increase wages to prevent union formation; can affect entire industries or segments of the economy</a:t>
             </a:r>
           </a:p>
           <a:p>
             <a:pPr lvl="1"/>
             <a:r>
-              <a:rPr lang="en-US"/>
+              <a:rPr lang="en-US" dirty="0"/>
               <a:t>Unions could influence pay setting norms, job security, etc.</a:t>
             </a:r>
           </a:p>
           <a:p>
             <a:r>
-              <a:rPr lang="en-US" u="sng"/>
+              <a:rPr lang="en-US" u="sng" dirty="0"/>
               <a:t>Politically</a:t>
             </a:r>
-            <a:r>
-              <a:rPr lang="en-US"/>
-              <a:t>: </a:t>
-            </a:r>
+            <a:endParaRPr lang="en-US" dirty="0"/>
           </a:p>
           <a:p>
             <a:pPr lvl="1"/>
             <a:r>
-              <a:rPr lang="en-US"/>
+              <a:rPr lang="en-US" dirty="0"/>
               <a:t>Unions are one of the few kinds of political interest groups which represent the working class </a:t>
             </a:r>
           </a:p>
           <a:p>
             <a:pPr lvl="1"/>
             <a:r>
-              <a:rPr lang="en-US"/>
+              <a:rPr lang="en-US" dirty="0"/>
               <a:t>Thus, can also advocate for more generous social policy (not wage inequality, but transfer policy)</a:t>
             </a:r>
           </a:p>
           <a:p>
-            <a:r>
-              <a:rPr lang="en-US"/>
+            <a:pPr marL="0" indent="0">
+              <a:buNone/>
+            </a:pPr>
+            <a:r>
+              <a:rPr lang="en-US" sz="2000" dirty="0">
+                <a:solidFill>
+                  <a:schemeClr val="tx1">
+                    <a:lumMod val="50000"/>
+                    <a:lumOff val="50000"/>
+                  </a:schemeClr>
+                </a:solidFill>
+              </a:rPr>
               <a:t>(Western &amp; Rosenfeld 2011, Brady et al 2013)</a:t>
             </a:r>
           </a:p>
@@ -26043,55 +26220,68 @@
           <a:lstStyle/>
           <a:p>
             <a:r>
-              <a:rPr lang="en-US"/>
-              <a:t>Farber et al 2021: “Unions and Inequality over the Twentieth Century: New Evidence from Survey Data”</a:t>
-            </a:r>
-          </a:p>
-          <a:p>
-            <a:r>
-              <a:rPr lang="en-US"/>
+              <a:rPr lang="en-US" dirty="0"/>
               <a:t>1936-present</a:t>
             </a:r>
           </a:p>
           <a:p>
             <a:r>
-              <a:rPr lang="en-US"/>
+              <a:rPr lang="en-US" dirty="0"/>
               <a:t>mid-20</a:t>
             </a:r>
             <a:r>
-              <a:rPr lang="en-US" baseline="30000"/>
+              <a:rPr lang="en-US" baseline="30000" dirty="0"/>
               <a:t>th</a:t>
             </a:r>
             <a:r>
-              <a:rPr lang="en-US"/>
+              <a:rPr lang="en-US" dirty="0"/>
               <a:t> century: union households were much less educated and more nonwhite </a:t>
             </a:r>
           </a:p>
           <a:p>
             <a:r>
-              <a:rPr lang="en-US"/>
+              <a:rPr lang="en-US" dirty="0"/>
               <a:t>pre-World War II and today: union and nonunion </a:t>
             </a:r>
             <a:r>
-              <a:rPr lang="en-US" err="1"/>
+              <a:rPr lang="en-US" dirty="0" err="1"/>
               <a:t>hh’s</a:t>
             </a:r>
             <a:r>
-              <a:rPr lang="en-US"/>
+              <a:rPr lang="en-US" dirty="0"/>
               <a:t> are similar</a:t>
             </a:r>
           </a:p>
           <a:p>
             <a:r>
-              <a:rPr lang="en-US"/>
+              <a:rPr lang="en-US" dirty="0"/>
               <a:t>Union wage premium steady throughout entire period (10-20%)</a:t>
             </a:r>
           </a:p>
           <a:p>
             <a:r>
-              <a:rPr lang="en-US"/>
+              <a:rPr lang="en-US" dirty="0"/>
               <a:t>“consistent evidence that unions reduce inequality, explaining a significant share of the dramatic fall in inequality between the mid-1930s and late 1940s”</a:t>
             </a:r>
+          </a:p>
+          <a:p>
+            <a:pPr marL="0" indent="0">
+              <a:buNone/>
+            </a:pPr>
+            <a:r>
+              <a:rPr lang="en-US" sz="2400" dirty="0">
+                <a:solidFill>
+                  <a:schemeClr val="tx1">
+                    <a:lumMod val="50000"/>
+                    <a:lumOff val="50000"/>
+                  </a:schemeClr>
+                </a:solidFill>
+              </a:rPr>
+              <a:t>Source: Farber et al 2021: “Unions and Inequality over the Twentieth Century: New Evidence from Survey Data”</a:t>
+            </a:r>
+          </a:p>
+          <a:p>
+            <a:endParaRPr lang="en-US" dirty="0"/>
           </a:p>
         </p:txBody>
       </p:sp>
@@ -26558,21 +26748,37 @@
           <a:lstStyle/>
           <a:p>
             <a:r>
-              <a:rPr lang="en-US"/>
+              <a:rPr lang="en-US" dirty="0"/>
               <a:t>If employers cut low-wage employment in response.</a:t>
             </a:r>
           </a:p>
           <a:p>
             <a:pPr lvl="1"/>
-            <a:r>
-              <a:rPr lang="en-US"/>
+            <a:endParaRPr lang="en-US" dirty="0"/>
+          </a:p>
+          <a:p>
+            <a:pPr lvl="1"/>
+            <a:endParaRPr lang="en-US" dirty="0"/>
+          </a:p>
+          <a:p>
+            <a:pPr lvl="1"/>
+            <a:r>
+              <a:rPr lang="en-US" dirty="0"/>
               <a:t>But little evidence of this in the past</a:t>
             </a:r>
           </a:p>
           <a:p>
             <a:pPr lvl="1"/>
-            <a:r>
-              <a:rPr lang="en-US"/>
+            <a:endParaRPr lang="en-US" dirty="0"/>
+          </a:p>
+          <a:p>
+            <a:pPr lvl="1"/>
+            <a:endParaRPr lang="en-US" dirty="0"/>
+          </a:p>
+          <a:p>
+            <a:pPr lvl="1"/>
+            <a:r>
+              <a:rPr lang="en-US" dirty="0"/>
               <a:t>Still, we’re not sure what would happen for an unprecedented, large min wage increase</a:t>
             </a:r>
           </a:p>
@@ -26722,37 +26928,78 @@
         </p:nvSpPr>
         <p:spPr/>
         <p:txBody>
-          <a:bodyPr/>
+          <a:bodyPr>
+            <a:normAutofit/>
+          </a:bodyPr>
           <a:lstStyle/>
           <a:p>
             <a:r>
-              <a:rPr lang="en-US"/>
+              <a:rPr lang="en-US" dirty="0"/>
               <a:t>Directly affected workers, or for whom the new minimum wage “binds”</a:t>
             </a:r>
           </a:p>
           <a:p>
-            <a:r>
-              <a:rPr lang="en-US"/>
+            <a:endParaRPr lang="en-US" dirty="0"/>
+          </a:p>
+          <a:p>
+            <a:r>
+              <a:rPr lang="en-US" dirty="0"/>
               <a:t>Spillovers for workers near the minimum wage</a:t>
             </a:r>
           </a:p>
           <a:p>
             <a:pPr lvl="1"/>
             <a:r>
-              <a:rPr lang="en-US"/>
-              <a:t>Evidence: for workers within ~$4 above the new min wage (Cengiz et al 2019)</a:t>
+              <a:rPr lang="en-US" dirty="0"/>
+              <a:t>Evidence: for workers within </a:t>
+            </a:r>
+            <a:r>
+              <a:rPr lang="en-US" dirty="0">
+                <a:latin typeface="Trirong" panose="00000500000000000000" pitchFamily="2" charset="-34"/>
+                <a:cs typeface="Trirong" panose="00000500000000000000" pitchFamily="2" charset="-34"/>
+              </a:rPr>
+              <a:t>≈</a:t>
+            </a:r>
+            <a:r>
+              <a:rPr lang="en-US" dirty="0"/>
+              <a:t>$4 above the new min wage </a:t>
+            </a:r>
+            <a:r>
+              <a:rPr lang="en-US" sz="1800" dirty="0">
+                <a:solidFill>
+                  <a:schemeClr val="tx1">
+                    <a:lumMod val="50000"/>
+                    <a:lumOff val="50000"/>
+                  </a:schemeClr>
+                </a:solidFill>
+              </a:rPr>
+              <a:t>(Cengiz et al 2019)</a:t>
             </a:r>
           </a:p>
           <a:p>
             <a:pPr lvl="1"/>
             <a:r>
-              <a:rPr lang="en-US"/>
-              <a:t>Evidence: for workers within several percentile groups of the min wage level (Autor et al 2016)</a:t>
-            </a:r>
-          </a:p>
-          <a:p>
-            <a:r>
-              <a:rPr lang="en-US"/>
+              <a:rPr lang="en-US" dirty="0"/>
+              <a:t>Evidence: for workers within several percentile groups of the min wage level </a:t>
+            </a:r>
+            <a:r>
+              <a:rPr lang="en-US" sz="1800" dirty="0">
+                <a:solidFill>
+                  <a:schemeClr val="tx1">
+                    <a:lumMod val="50000"/>
+                    <a:lumOff val="50000"/>
+                  </a:schemeClr>
+                </a:solidFill>
+              </a:rPr>
+              <a:t>(Autor et al 2016)</a:t>
+            </a:r>
+          </a:p>
+          <a:p>
+            <a:endParaRPr lang="en-US" dirty="0"/>
+          </a:p>
+          <a:p>
+            <a:r>
+              <a:rPr lang="en-US" dirty="0"/>
               <a:t>Any effects should be concentrated at bottom of income distribution (e.g. 50/10)</a:t>
             </a:r>
           </a:p>
@@ -26838,12 +27085,23 @@
           <a:lstStyle/>
           <a:p>
             <a:r>
-              <a:rPr lang="en-US"/>
-              <a:t>Overall: “We find that the minimum wage reduces inequality in the lower tail of the wage distribution, though by substantially less than previous estimates” (Autor et al 2016)</a:t>
-            </a:r>
-          </a:p>
-          <a:p>
-            <a:endParaRPr lang="en-US"/>
+              <a:rPr lang="en-US" dirty="0"/>
+              <a:t>Overall: “We find that the minimum wage reduces inequality in the lower tail of the wage distribution, though by substantially less than previous estimates” </a:t>
+            </a:r>
+            <a:r>
+              <a:rPr lang="en-US" sz="2000" dirty="0">
+                <a:solidFill>
+                  <a:schemeClr val="tx1">
+                    <a:lumMod val="50000"/>
+                    <a:lumOff val="50000"/>
+                  </a:schemeClr>
+                </a:solidFill>
+              </a:rPr>
+              <a:t>(Autor et al 2016)</a:t>
+            </a:r>
+          </a:p>
+          <a:p>
+            <a:endParaRPr lang="en-US" dirty="0"/>
           </a:p>
         </p:txBody>
       </p:sp>
@@ -27289,35 +27547,105 @@
           <a:lstStyle/>
           <a:p>
             <a:r>
-              <a:rPr lang="en-US"/>
+              <a:rPr lang="en-US" dirty="0"/>
               <a:t>Compared to other policies, the population covered by this policy was more likely to be black</a:t>
             </a:r>
           </a:p>
           <a:p>
-            <a:r>
-              <a:rPr lang="en-US"/>
+            <a:endParaRPr lang="en-US" dirty="0"/>
+          </a:p>
+          <a:p>
+            <a:endParaRPr lang="en-US" dirty="0"/>
+          </a:p>
+          <a:p>
+            <a:r>
+              <a:rPr lang="en-US" dirty="0"/>
               <a:t>Policy “can explain more than 20% of the reduction in the racial earnings and income gap during the civil rights era”</a:t>
             </a:r>
           </a:p>
           <a:p>
-            <a:r>
-              <a:rPr lang="en-US"/>
+            <a:pPr marL="0" indent="0">
+              <a:buNone/>
+            </a:pPr>
+            <a:endParaRPr lang="en-US" sz="2000" dirty="0">
+              <a:solidFill>
+                <a:schemeClr val="tx1">
+                  <a:lumMod val="50000"/>
+                  <a:lumOff val="50000"/>
+                </a:schemeClr>
+              </a:solidFill>
+            </a:endParaRPr>
+          </a:p>
+          <a:p>
+            <a:pPr marL="0" indent="0">
+              <a:buNone/>
+            </a:pPr>
+            <a:endParaRPr lang="en-US" sz="2000" dirty="0">
+              <a:solidFill>
+                <a:schemeClr val="tx1">
+                  <a:lumMod val="50000"/>
+                  <a:lumOff val="50000"/>
+                </a:schemeClr>
+              </a:solidFill>
+            </a:endParaRPr>
+          </a:p>
+          <a:p>
+            <a:pPr marL="0" indent="0">
+              <a:buNone/>
+            </a:pPr>
+            <a:r>
+              <a:rPr lang="en-US" sz="2000" dirty="0">
+                <a:solidFill>
+                  <a:schemeClr val="tx1">
+                    <a:lumMod val="50000"/>
+                    <a:lumOff val="50000"/>
+                  </a:schemeClr>
+                </a:solidFill>
+              </a:rPr>
               <a:t>(</a:t>
             </a:r>
             <a:r>
-              <a:rPr lang="en-US" err="1"/>
+              <a:rPr lang="en-US" sz="2000" dirty="0" err="1">
+                <a:solidFill>
+                  <a:schemeClr val="tx1">
+                    <a:lumMod val="50000"/>
+                    <a:lumOff val="50000"/>
+                  </a:schemeClr>
+                </a:solidFill>
+              </a:rPr>
               <a:t>Derenoncourt</a:t>
             </a:r>
             <a:r>
-              <a:rPr lang="en-US"/>
+              <a:rPr lang="en-US" sz="2000" dirty="0">
+                <a:solidFill>
+                  <a:schemeClr val="tx1">
+                    <a:lumMod val="50000"/>
+                    <a:lumOff val="50000"/>
+                  </a:schemeClr>
+                </a:solidFill>
+              </a:rPr>
               <a:t> &amp; </a:t>
             </a:r>
             <a:r>
-              <a:rPr lang="en-US" err="1"/>
+              <a:rPr lang="en-US" sz="2000" dirty="0" err="1">
+                <a:solidFill>
+                  <a:schemeClr val="tx1">
+                    <a:lumMod val="50000"/>
+                    <a:lumOff val="50000"/>
+                  </a:schemeClr>
+                </a:solidFill>
+              </a:rPr>
               <a:t>Montialoux</a:t>
             </a:r>
             <a:r>
-              <a:rPr lang="en-US"/>
+              <a:rPr lang="en-US" sz="2000" dirty="0">
+                <a:solidFill>
+                  <a:schemeClr val="tx1">
+                    <a:lumMod val="50000"/>
+                    <a:lumOff val="50000"/>
+                  </a:schemeClr>
+                </a:solidFill>
+              </a:rPr>
               <a:t> 2021)</a:t>
             </a:r>
           </a:p>
